--- a/Term Project/Group7_CMPT318_TermProject_Submission/Term-Project-Prese.pptx
+++ b/Term Project/Group7_CMPT318_TermProject_Submission/Term-Project-Prese.pptx
@@ -13957,7 +13957,7 @@
           <a:p>
             <a:fld id="{AC5F28DA-8CE9-4F1A-95AD-8C7E39D63F29}" type="datetimeFigureOut">
               <a:rPr lang="en-CA" smtClean="0"/>
-              <a:t>2022-11-29</a:t>
+              <a:t>2022-12-02</a:t>
             </a:fld>
             <a:endParaRPr lang="en-CA"/>
           </a:p>
@@ -14157,7 +14157,7 @@
           <a:p>
             <a:fld id="{AC5F28DA-8CE9-4F1A-95AD-8C7E39D63F29}" type="datetimeFigureOut">
               <a:rPr lang="en-CA" smtClean="0"/>
-              <a:t>2022-11-29</a:t>
+              <a:t>2022-12-02</a:t>
             </a:fld>
             <a:endParaRPr lang="en-CA"/>
           </a:p>
@@ -14367,7 +14367,7 @@
           <a:p>
             <a:fld id="{AC5F28DA-8CE9-4F1A-95AD-8C7E39D63F29}" type="datetimeFigureOut">
               <a:rPr lang="en-CA" smtClean="0"/>
-              <a:t>2022-11-29</a:t>
+              <a:t>2022-12-02</a:t>
             </a:fld>
             <a:endParaRPr lang="en-CA"/>
           </a:p>
@@ -14567,7 +14567,7 @@
           <a:p>
             <a:fld id="{AC5F28DA-8CE9-4F1A-95AD-8C7E39D63F29}" type="datetimeFigureOut">
               <a:rPr lang="en-CA" smtClean="0"/>
-              <a:t>2022-11-29</a:t>
+              <a:t>2022-12-02</a:t>
             </a:fld>
             <a:endParaRPr lang="en-CA"/>
           </a:p>
@@ -14843,7 +14843,7 @@
           <a:p>
             <a:fld id="{AC5F28DA-8CE9-4F1A-95AD-8C7E39D63F29}" type="datetimeFigureOut">
               <a:rPr lang="en-CA" smtClean="0"/>
-              <a:t>2022-11-29</a:t>
+              <a:t>2022-12-02</a:t>
             </a:fld>
             <a:endParaRPr lang="en-CA"/>
           </a:p>
@@ -15111,7 +15111,7 @@
           <a:p>
             <a:fld id="{AC5F28DA-8CE9-4F1A-95AD-8C7E39D63F29}" type="datetimeFigureOut">
               <a:rPr lang="en-CA" smtClean="0"/>
-              <a:t>2022-11-29</a:t>
+              <a:t>2022-12-02</a:t>
             </a:fld>
             <a:endParaRPr lang="en-CA"/>
           </a:p>
@@ -15526,7 +15526,7 @@
           <a:p>
             <a:fld id="{AC5F28DA-8CE9-4F1A-95AD-8C7E39D63F29}" type="datetimeFigureOut">
               <a:rPr lang="en-CA" smtClean="0"/>
-              <a:t>2022-11-29</a:t>
+              <a:t>2022-12-02</a:t>
             </a:fld>
             <a:endParaRPr lang="en-CA"/>
           </a:p>
@@ -15668,7 +15668,7 @@
           <a:p>
             <a:fld id="{AC5F28DA-8CE9-4F1A-95AD-8C7E39D63F29}" type="datetimeFigureOut">
               <a:rPr lang="en-CA" smtClean="0"/>
-              <a:t>2022-11-29</a:t>
+              <a:t>2022-12-02</a:t>
             </a:fld>
             <a:endParaRPr lang="en-CA"/>
           </a:p>
@@ -15781,7 +15781,7 @@
           <a:p>
             <a:fld id="{AC5F28DA-8CE9-4F1A-95AD-8C7E39D63F29}" type="datetimeFigureOut">
               <a:rPr lang="en-CA" smtClean="0"/>
-              <a:t>2022-11-29</a:t>
+              <a:t>2022-12-02</a:t>
             </a:fld>
             <a:endParaRPr lang="en-CA"/>
           </a:p>
@@ -16094,7 +16094,7 @@
           <a:p>
             <a:fld id="{AC5F28DA-8CE9-4F1A-95AD-8C7E39D63F29}" type="datetimeFigureOut">
               <a:rPr lang="en-CA" smtClean="0"/>
-              <a:t>2022-11-29</a:t>
+              <a:t>2022-12-02</a:t>
             </a:fld>
             <a:endParaRPr lang="en-CA"/>
           </a:p>
@@ -16383,7 +16383,7 @@
           <a:p>
             <a:fld id="{AC5F28DA-8CE9-4F1A-95AD-8C7E39D63F29}" type="datetimeFigureOut">
               <a:rPr lang="en-CA" smtClean="0"/>
-              <a:t>2022-11-29</a:t>
+              <a:t>2022-12-02</a:t>
             </a:fld>
             <a:endParaRPr lang="en-CA"/>
           </a:p>
@@ -16626,7 +16626,7 @@
           <a:p>
             <a:fld id="{AC5F28DA-8CE9-4F1A-95AD-8C7E39D63F29}" type="datetimeFigureOut">
               <a:rPr lang="en-CA" smtClean="0"/>
-              <a:t>2022-11-29</a:t>
+              <a:t>2022-12-02</a:t>
             </a:fld>
             <a:endParaRPr lang="en-CA"/>
           </a:p>
@@ -21390,8 +21390,8 @@
           </a:extLst>
         </p:spPr>
       </p:pic>
-      <mc:AlternateContent xmlns:mc="http://schemas.openxmlformats.org/markup-compatibility/2006">
-        <mc:Choice xmlns:p14="http://schemas.microsoft.com/office/powerpoint/2010/main" Requires="p14">
+      <mc:AlternateContent xmlns:mc="http://schemas.openxmlformats.org/markup-compatibility/2006" xmlns:p14="http://schemas.microsoft.com/office/powerpoint/2010/main">
+        <mc:Choice Requires="p14">
           <p:contentPart p14:bwMode="auto" r:id="rId5">
             <p14:nvContentPartPr>
               <p14:cNvPr id="7" name="Ink 6">
@@ -21410,7 +21410,7 @@
             </p14:xfrm>
           </p:contentPart>
         </mc:Choice>
-        <mc:Fallback>
+        <mc:Fallback xmlns="">
           <p:pic>
             <p:nvPicPr>
               <p:cNvPr id="7" name="Ink 6">
@@ -21441,8 +21441,8 @@
           </p:pic>
         </mc:Fallback>
       </mc:AlternateContent>
-      <mc:AlternateContent xmlns:mc="http://schemas.openxmlformats.org/markup-compatibility/2006">
-        <mc:Choice xmlns:p14="http://schemas.microsoft.com/office/powerpoint/2010/main" Requires="p14">
+      <mc:AlternateContent xmlns:mc="http://schemas.openxmlformats.org/markup-compatibility/2006" xmlns:p14="http://schemas.microsoft.com/office/powerpoint/2010/main">
+        <mc:Choice Requires="p14">
           <p:contentPart p14:bwMode="auto" r:id="rId7">
             <p14:nvContentPartPr>
               <p14:cNvPr id="8" name="Ink 7">
@@ -21461,7 +21461,7 @@
             </p14:xfrm>
           </p:contentPart>
         </mc:Choice>
-        <mc:Fallback>
+        <mc:Fallback xmlns="">
           <p:pic>
             <p:nvPicPr>
               <p:cNvPr id="8" name="Ink 7">
@@ -21492,8 +21492,8 @@
           </p:pic>
         </mc:Fallback>
       </mc:AlternateContent>
-      <mc:AlternateContent xmlns:mc="http://schemas.openxmlformats.org/markup-compatibility/2006">
-        <mc:Choice xmlns:p14="http://schemas.microsoft.com/office/powerpoint/2010/main" Requires="p14">
+      <mc:AlternateContent xmlns:mc="http://schemas.openxmlformats.org/markup-compatibility/2006" xmlns:p14="http://schemas.microsoft.com/office/powerpoint/2010/main">
+        <mc:Choice Requires="p14">
           <p:contentPart p14:bwMode="auto" r:id="rId9">
             <p14:nvContentPartPr>
               <p14:cNvPr id="9" name="Ink 8">
@@ -21512,7 +21512,7 @@
             </p14:xfrm>
           </p:contentPart>
         </mc:Choice>
-        <mc:Fallback>
+        <mc:Fallback xmlns="">
           <p:pic>
             <p:nvPicPr>
               <p:cNvPr id="9" name="Ink 8">
@@ -21543,8 +21543,8 @@
           </p:pic>
         </mc:Fallback>
       </mc:AlternateContent>
-      <mc:AlternateContent xmlns:mc="http://schemas.openxmlformats.org/markup-compatibility/2006">
-        <mc:Choice xmlns:p14="http://schemas.microsoft.com/office/powerpoint/2010/main" Requires="p14">
+      <mc:AlternateContent xmlns:mc="http://schemas.openxmlformats.org/markup-compatibility/2006" xmlns:p14="http://schemas.microsoft.com/office/powerpoint/2010/main">
+        <mc:Choice Requires="p14">
           <p:contentPart p14:bwMode="auto" r:id="rId11">
             <p14:nvContentPartPr>
               <p14:cNvPr id="10" name="Ink 9">
@@ -21563,7 +21563,7 @@
             </p14:xfrm>
           </p:contentPart>
         </mc:Choice>
-        <mc:Fallback>
+        <mc:Fallback xmlns="">
           <p:pic>
             <p:nvPicPr>
               <p:cNvPr id="10" name="Ink 9">
@@ -21594,8 +21594,8 @@
           </p:pic>
         </mc:Fallback>
       </mc:AlternateContent>
-      <mc:AlternateContent xmlns:mc="http://schemas.openxmlformats.org/markup-compatibility/2006">
-        <mc:Choice xmlns:p14="http://schemas.microsoft.com/office/powerpoint/2010/main" Requires="p14">
+      <mc:AlternateContent xmlns:mc="http://schemas.openxmlformats.org/markup-compatibility/2006" xmlns:p14="http://schemas.microsoft.com/office/powerpoint/2010/main">
+        <mc:Choice Requires="p14">
           <p:contentPart p14:bwMode="auto" r:id="rId13">
             <p14:nvContentPartPr>
               <p14:cNvPr id="11" name="Ink 10">
@@ -21614,7 +21614,7 @@
             </p14:xfrm>
           </p:contentPart>
         </mc:Choice>
-        <mc:Fallback>
+        <mc:Fallback xmlns="">
           <p:pic>
             <p:nvPicPr>
               <p:cNvPr id="11" name="Ink 10">
@@ -21645,8 +21645,8 @@
           </p:pic>
         </mc:Fallback>
       </mc:AlternateContent>
-      <mc:AlternateContent xmlns:mc="http://schemas.openxmlformats.org/markup-compatibility/2006">
-        <mc:Choice xmlns:p14="http://schemas.microsoft.com/office/powerpoint/2010/main" Requires="p14">
+      <mc:AlternateContent xmlns:mc="http://schemas.openxmlformats.org/markup-compatibility/2006" xmlns:p14="http://schemas.microsoft.com/office/powerpoint/2010/main">
+        <mc:Choice Requires="p14">
           <p:contentPart p14:bwMode="auto" r:id="rId15">
             <p14:nvContentPartPr>
               <p14:cNvPr id="12" name="Ink 11">
@@ -21665,7 +21665,7 @@
             </p14:xfrm>
           </p:contentPart>
         </mc:Choice>
-        <mc:Fallback>
+        <mc:Fallback xmlns="">
           <p:pic>
             <p:nvPicPr>
               <p:cNvPr id="12" name="Ink 11">
@@ -21696,8 +21696,8 @@
           </p:pic>
         </mc:Fallback>
       </mc:AlternateContent>
-      <mc:AlternateContent xmlns:mc="http://schemas.openxmlformats.org/markup-compatibility/2006">
-        <mc:Choice xmlns:p14="http://schemas.microsoft.com/office/powerpoint/2010/main" Requires="p14">
+      <mc:AlternateContent xmlns:mc="http://schemas.openxmlformats.org/markup-compatibility/2006" xmlns:p14="http://schemas.microsoft.com/office/powerpoint/2010/main">
+        <mc:Choice Requires="p14">
           <p:contentPart p14:bwMode="auto" r:id="rId17">
             <p14:nvContentPartPr>
               <p14:cNvPr id="13" name="Ink 12">
@@ -21716,7 +21716,7 @@
             </p14:xfrm>
           </p:contentPart>
         </mc:Choice>
-        <mc:Fallback>
+        <mc:Fallback xmlns="">
           <p:pic>
             <p:nvPicPr>
               <p:cNvPr id="13" name="Ink 12">
@@ -21747,8 +21747,8 @@
           </p:pic>
         </mc:Fallback>
       </mc:AlternateContent>
-      <mc:AlternateContent xmlns:mc="http://schemas.openxmlformats.org/markup-compatibility/2006">
-        <mc:Choice xmlns:p14="http://schemas.microsoft.com/office/powerpoint/2010/main" Requires="p14">
+      <mc:AlternateContent xmlns:mc="http://schemas.openxmlformats.org/markup-compatibility/2006" xmlns:p14="http://schemas.microsoft.com/office/powerpoint/2010/main">
+        <mc:Choice Requires="p14">
           <p:contentPart p14:bwMode="auto" r:id="rId19">
             <p14:nvContentPartPr>
               <p14:cNvPr id="14" name="Ink 13">
@@ -21767,7 +21767,7 @@
             </p14:xfrm>
           </p:contentPart>
         </mc:Choice>
-        <mc:Fallback>
+        <mc:Fallback xmlns="">
           <p:pic>
             <p:nvPicPr>
               <p:cNvPr id="14" name="Ink 13">
@@ -21798,8 +21798,8 @@
           </p:pic>
         </mc:Fallback>
       </mc:AlternateContent>
-      <mc:AlternateContent xmlns:mc="http://schemas.openxmlformats.org/markup-compatibility/2006">
-        <mc:Choice xmlns:p14="http://schemas.microsoft.com/office/powerpoint/2010/main" Requires="p14">
+      <mc:AlternateContent xmlns:mc="http://schemas.openxmlformats.org/markup-compatibility/2006" xmlns:p14="http://schemas.microsoft.com/office/powerpoint/2010/main">
+        <mc:Choice Requires="p14">
           <p:contentPart p14:bwMode="auto" r:id="rId21">
             <p14:nvContentPartPr>
               <p14:cNvPr id="15" name="Ink 14">
@@ -21818,7 +21818,7 @@
             </p14:xfrm>
           </p:contentPart>
         </mc:Choice>
-        <mc:Fallback>
+        <mc:Fallback xmlns="">
           <p:pic>
             <p:nvPicPr>
               <p:cNvPr id="15" name="Ink 14">
@@ -21849,8 +21849,8 @@
           </p:pic>
         </mc:Fallback>
       </mc:AlternateContent>
-      <mc:AlternateContent xmlns:mc="http://schemas.openxmlformats.org/markup-compatibility/2006">
-        <mc:Choice xmlns:p14="http://schemas.microsoft.com/office/powerpoint/2010/main" Requires="p14">
+      <mc:AlternateContent xmlns:mc="http://schemas.openxmlformats.org/markup-compatibility/2006" xmlns:p14="http://schemas.microsoft.com/office/powerpoint/2010/main">
+        <mc:Choice Requires="p14">
           <p:contentPart p14:bwMode="auto" r:id="rId23">
             <p14:nvContentPartPr>
               <p14:cNvPr id="16" name="Ink 15">
@@ -21869,7 +21869,7 @@
             </p14:xfrm>
           </p:contentPart>
         </mc:Choice>
-        <mc:Fallback>
+        <mc:Fallback xmlns="">
           <p:pic>
             <p:nvPicPr>
               <p:cNvPr id="16" name="Ink 15">
@@ -21900,8 +21900,8 @@
           </p:pic>
         </mc:Fallback>
       </mc:AlternateContent>
-      <mc:AlternateContent xmlns:mc="http://schemas.openxmlformats.org/markup-compatibility/2006">
-        <mc:Choice xmlns:p14="http://schemas.microsoft.com/office/powerpoint/2010/main" Requires="p14">
+      <mc:AlternateContent xmlns:mc="http://schemas.openxmlformats.org/markup-compatibility/2006" xmlns:p14="http://schemas.microsoft.com/office/powerpoint/2010/main">
+        <mc:Choice Requires="p14">
           <p:contentPart p14:bwMode="auto" r:id="rId25">
             <p14:nvContentPartPr>
               <p14:cNvPr id="17" name="Ink 16">
@@ -21920,7 +21920,7 @@
             </p14:xfrm>
           </p:contentPart>
         </mc:Choice>
-        <mc:Fallback>
+        <mc:Fallback xmlns="">
           <p:pic>
             <p:nvPicPr>
               <p:cNvPr id="17" name="Ink 16">
@@ -21951,8 +21951,8 @@
           </p:pic>
         </mc:Fallback>
       </mc:AlternateContent>
-      <mc:AlternateContent xmlns:mc="http://schemas.openxmlformats.org/markup-compatibility/2006">
-        <mc:Choice xmlns:p14="http://schemas.microsoft.com/office/powerpoint/2010/main" Requires="p14">
+      <mc:AlternateContent xmlns:mc="http://schemas.openxmlformats.org/markup-compatibility/2006" xmlns:p14="http://schemas.microsoft.com/office/powerpoint/2010/main">
+        <mc:Choice Requires="p14">
           <p:contentPart p14:bwMode="auto" r:id="rId27">
             <p14:nvContentPartPr>
               <p14:cNvPr id="18" name="Ink 17">
@@ -21971,7 +21971,7 @@
             </p14:xfrm>
           </p:contentPart>
         </mc:Choice>
-        <mc:Fallback>
+        <mc:Fallback xmlns="">
           <p:pic>
             <p:nvPicPr>
               <p:cNvPr id="18" name="Ink 17">
@@ -22002,8 +22002,8 @@
           </p:pic>
         </mc:Fallback>
       </mc:AlternateContent>
-      <mc:AlternateContent xmlns:mc="http://schemas.openxmlformats.org/markup-compatibility/2006">
-        <mc:Choice xmlns:p14="http://schemas.microsoft.com/office/powerpoint/2010/main" Requires="p14">
+      <mc:AlternateContent xmlns:mc="http://schemas.openxmlformats.org/markup-compatibility/2006" xmlns:p14="http://schemas.microsoft.com/office/powerpoint/2010/main">
+        <mc:Choice Requires="p14">
           <p:contentPart p14:bwMode="auto" r:id="rId29">
             <p14:nvContentPartPr>
               <p14:cNvPr id="19" name="Ink 18">
@@ -22022,7 +22022,7 @@
             </p14:xfrm>
           </p:contentPart>
         </mc:Choice>
-        <mc:Fallback>
+        <mc:Fallback xmlns="">
           <p:pic>
             <p:nvPicPr>
               <p:cNvPr id="19" name="Ink 18">
@@ -22053,8 +22053,8 @@
           </p:pic>
         </mc:Fallback>
       </mc:AlternateContent>
-      <mc:AlternateContent xmlns:mc="http://schemas.openxmlformats.org/markup-compatibility/2006">
-        <mc:Choice xmlns:p14="http://schemas.microsoft.com/office/powerpoint/2010/main" Requires="p14">
+      <mc:AlternateContent xmlns:mc="http://schemas.openxmlformats.org/markup-compatibility/2006" xmlns:p14="http://schemas.microsoft.com/office/powerpoint/2010/main">
+        <mc:Choice Requires="p14">
           <p:contentPart p14:bwMode="auto" r:id="rId31">
             <p14:nvContentPartPr>
               <p14:cNvPr id="20" name="Ink 19">
@@ -22073,7 +22073,7 @@
             </p14:xfrm>
           </p:contentPart>
         </mc:Choice>
-        <mc:Fallback>
+        <mc:Fallback xmlns="">
           <p:pic>
             <p:nvPicPr>
               <p:cNvPr id="20" name="Ink 19">
@@ -22104,8 +22104,8 @@
           </p:pic>
         </mc:Fallback>
       </mc:AlternateContent>
-      <mc:AlternateContent xmlns:mc="http://schemas.openxmlformats.org/markup-compatibility/2006">
-        <mc:Choice xmlns:p14="http://schemas.microsoft.com/office/powerpoint/2010/main" Requires="p14">
+      <mc:AlternateContent xmlns:mc="http://schemas.openxmlformats.org/markup-compatibility/2006" xmlns:p14="http://schemas.microsoft.com/office/powerpoint/2010/main">
+        <mc:Choice Requires="p14">
           <p:contentPart p14:bwMode="auto" r:id="rId33">
             <p14:nvContentPartPr>
               <p14:cNvPr id="21" name="Ink 20">
@@ -22124,7 +22124,7 @@
             </p14:xfrm>
           </p:contentPart>
         </mc:Choice>
-        <mc:Fallback>
+        <mc:Fallback xmlns="">
           <p:pic>
             <p:nvPicPr>
               <p:cNvPr id="21" name="Ink 20">
@@ -22155,8 +22155,8 @@
           </p:pic>
         </mc:Fallback>
       </mc:AlternateContent>
-      <mc:AlternateContent xmlns:mc="http://schemas.openxmlformats.org/markup-compatibility/2006">
-        <mc:Choice xmlns:p14="http://schemas.microsoft.com/office/powerpoint/2010/main" Requires="p14">
+      <mc:AlternateContent xmlns:mc="http://schemas.openxmlformats.org/markup-compatibility/2006" xmlns:p14="http://schemas.microsoft.com/office/powerpoint/2010/main">
+        <mc:Choice Requires="p14">
           <p:contentPart p14:bwMode="auto" r:id="rId35">
             <p14:nvContentPartPr>
               <p14:cNvPr id="22" name="Ink 21">
@@ -22175,7 +22175,7 @@
             </p14:xfrm>
           </p:contentPart>
         </mc:Choice>
-        <mc:Fallback>
+        <mc:Fallback xmlns="">
           <p:pic>
             <p:nvPicPr>
               <p:cNvPr id="22" name="Ink 21">
@@ -22206,8 +22206,8 @@
           </p:pic>
         </mc:Fallback>
       </mc:AlternateContent>
-      <mc:AlternateContent xmlns:mc="http://schemas.openxmlformats.org/markup-compatibility/2006">
-        <mc:Choice xmlns:p14="http://schemas.microsoft.com/office/powerpoint/2010/main" Requires="p14">
+      <mc:AlternateContent xmlns:mc="http://schemas.openxmlformats.org/markup-compatibility/2006" xmlns:p14="http://schemas.microsoft.com/office/powerpoint/2010/main">
+        <mc:Choice Requires="p14">
           <p:contentPart p14:bwMode="auto" r:id="rId37">
             <p14:nvContentPartPr>
               <p14:cNvPr id="23" name="Ink 22">
@@ -22226,7 +22226,7 @@
             </p14:xfrm>
           </p:contentPart>
         </mc:Choice>
-        <mc:Fallback>
+        <mc:Fallback xmlns="">
           <p:pic>
             <p:nvPicPr>
               <p:cNvPr id="23" name="Ink 22">
@@ -22257,8 +22257,8 @@
           </p:pic>
         </mc:Fallback>
       </mc:AlternateContent>
-      <mc:AlternateContent xmlns:mc="http://schemas.openxmlformats.org/markup-compatibility/2006">
-        <mc:Choice xmlns:p14="http://schemas.microsoft.com/office/powerpoint/2010/main" Requires="p14">
+      <mc:AlternateContent xmlns:mc="http://schemas.openxmlformats.org/markup-compatibility/2006" xmlns:p14="http://schemas.microsoft.com/office/powerpoint/2010/main">
+        <mc:Choice Requires="p14">
           <p:contentPart p14:bwMode="auto" r:id="rId39">
             <p14:nvContentPartPr>
               <p14:cNvPr id="24" name="Ink 23">
@@ -22277,7 +22277,7 @@
             </p14:xfrm>
           </p:contentPart>
         </mc:Choice>
-        <mc:Fallback>
+        <mc:Fallback xmlns="">
           <p:pic>
             <p:nvPicPr>
               <p:cNvPr id="24" name="Ink 23">
@@ -22308,8 +22308,8 @@
           </p:pic>
         </mc:Fallback>
       </mc:AlternateContent>
-      <mc:AlternateContent xmlns:mc="http://schemas.openxmlformats.org/markup-compatibility/2006">
-        <mc:Choice xmlns:p14="http://schemas.microsoft.com/office/powerpoint/2010/main" Requires="p14">
+      <mc:AlternateContent xmlns:mc="http://schemas.openxmlformats.org/markup-compatibility/2006" xmlns:p14="http://schemas.microsoft.com/office/powerpoint/2010/main">
+        <mc:Choice Requires="p14">
           <p:contentPart p14:bwMode="auto" r:id="rId41">
             <p14:nvContentPartPr>
               <p14:cNvPr id="25" name="Ink 24">
@@ -22328,7 +22328,7 @@
             </p14:xfrm>
           </p:contentPart>
         </mc:Choice>
-        <mc:Fallback>
+        <mc:Fallback xmlns="">
           <p:pic>
             <p:nvPicPr>
               <p:cNvPr id="25" name="Ink 24">
@@ -22359,8 +22359,8 @@
           </p:pic>
         </mc:Fallback>
       </mc:AlternateContent>
-      <mc:AlternateContent xmlns:mc="http://schemas.openxmlformats.org/markup-compatibility/2006">
-        <mc:Choice xmlns:p14="http://schemas.microsoft.com/office/powerpoint/2010/main" Requires="p14">
+      <mc:AlternateContent xmlns:mc="http://schemas.openxmlformats.org/markup-compatibility/2006" xmlns:p14="http://schemas.microsoft.com/office/powerpoint/2010/main">
+        <mc:Choice Requires="p14">
           <p:contentPart p14:bwMode="auto" r:id="rId43">
             <p14:nvContentPartPr>
               <p14:cNvPr id="26" name="Ink 25">
@@ -22379,7 +22379,7 @@
             </p14:xfrm>
           </p:contentPart>
         </mc:Choice>
-        <mc:Fallback>
+        <mc:Fallback xmlns="">
           <p:pic>
             <p:nvPicPr>
               <p:cNvPr id="26" name="Ink 25">
@@ -22410,8 +22410,8 @@
           </p:pic>
         </mc:Fallback>
       </mc:AlternateContent>
-      <mc:AlternateContent xmlns:mc="http://schemas.openxmlformats.org/markup-compatibility/2006">
-        <mc:Choice xmlns:p14="http://schemas.microsoft.com/office/powerpoint/2010/main" Requires="p14">
+      <mc:AlternateContent xmlns:mc="http://schemas.openxmlformats.org/markup-compatibility/2006" xmlns:p14="http://schemas.microsoft.com/office/powerpoint/2010/main">
+        <mc:Choice Requires="p14">
           <p:contentPart p14:bwMode="auto" r:id="rId45">
             <p14:nvContentPartPr>
               <p14:cNvPr id="27" name="Ink 26">
@@ -22430,7 +22430,7 @@
             </p14:xfrm>
           </p:contentPart>
         </mc:Choice>
-        <mc:Fallback>
+        <mc:Fallback xmlns="">
           <p:pic>
             <p:nvPicPr>
               <p:cNvPr id="27" name="Ink 26">
@@ -22461,8 +22461,8 @@
           </p:pic>
         </mc:Fallback>
       </mc:AlternateContent>
-      <mc:AlternateContent xmlns:mc="http://schemas.openxmlformats.org/markup-compatibility/2006">
-        <mc:Choice xmlns:p14="http://schemas.microsoft.com/office/powerpoint/2010/main" Requires="p14">
+      <mc:AlternateContent xmlns:mc="http://schemas.openxmlformats.org/markup-compatibility/2006" xmlns:p14="http://schemas.microsoft.com/office/powerpoint/2010/main">
+        <mc:Choice Requires="p14">
           <p:contentPart p14:bwMode="auto" r:id="rId47">
             <p14:nvContentPartPr>
               <p14:cNvPr id="28" name="Ink 27">
@@ -22481,7 +22481,7 @@
             </p14:xfrm>
           </p:contentPart>
         </mc:Choice>
-        <mc:Fallback>
+        <mc:Fallback xmlns="">
           <p:pic>
             <p:nvPicPr>
               <p:cNvPr id="28" name="Ink 27">
@@ -22512,8 +22512,8 @@
           </p:pic>
         </mc:Fallback>
       </mc:AlternateContent>
-      <mc:AlternateContent xmlns:mc="http://schemas.openxmlformats.org/markup-compatibility/2006">
-        <mc:Choice xmlns:p14="http://schemas.microsoft.com/office/powerpoint/2010/main" Requires="p14">
+      <mc:AlternateContent xmlns:mc="http://schemas.openxmlformats.org/markup-compatibility/2006" xmlns:p14="http://schemas.microsoft.com/office/powerpoint/2010/main">
+        <mc:Choice Requires="p14">
           <p:contentPart p14:bwMode="auto" r:id="rId49">
             <p14:nvContentPartPr>
               <p14:cNvPr id="29" name="Ink 28">
@@ -22532,7 +22532,7 @@
             </p14:xfrm>
           </p:contentPart>
         </mc:Choice>
-        <mc:Fallback>
+        <mc:Fallback xmlns="">
           <p:pic>
             <p:nvPicPr>
               <p:cNvPr id="29" name="Ink 28">
@@ -22563,8 +22563,8 @@
           </p:pic>
         </mc:Fallback>
       </mc:AlternateContent>
-      <mc:AlternateContent xmlns:mc="http://schemas.openxmlformats.org/markup-compatibility/2006">
-        <mc:Choice xmlns:p14="http://schemas.microsoft.com/office/powerpoint/2010/main" Requires="p14">
+      <mc:AlternateContent xmlns:mc="http://schemas.openxmlformats.org/markup-compatibility/2006" xmlns:p14="http://schemas.microsoft.com/office/powerpoint/2010/main">
+        <mc:Choice Requires="p14">
           <p:contentPart p14:bwMode="auto" r:id="rId51">
             <p14:nvContentPartPr>
               <p14:cNvPr id="30" name="Ink 29">
@@ -22583,7 +22583,7 @@
             </p14:xfrm>
           </p:contentPart>
         </mc:Choice>
-        <mc:Fallback>
+        <mc:Fallback xmlns="">
           <p:pic>
             <p:nvPicPr>
               <p:cNvPr id="30" name="Ink 29">
@@ -22614,8 +22614,8 @@
           </p:pic>
         </mc:Fallback>
       </mc:AlternateContent>
-      <mc:AlternateContent xmlns:mc="http://schemas.openxmlformats.org/markup-compatibility/2006">
-        <mc:Choice xmlns:p14="http://schemas.microsoft.com/office/powerpoint/2010/main" Requires="p14">
+      <mc:AlternateContent xmlns:mc="http://schemas.openxmlformats.org/markup-compatibility/2006" xmlns:p14="http://schemas.microsoft.com/office/powerpoint/2010/main">
+        <mc:Choice Requires="p14">
           <p:contentPart p14:bwMode="auto" r:id="rId53">
             <p14:nvContentPartPr>
               <p14:cNvPr id="31" name="Ink 30">
@@ -22634,7 +22634,7 @@
             </p14:xfrm>
           </p:contentPart>
         </mc:Choice>
-        <mc:Fallback>
+        <mc:Fallback xmlns="">
           <p:pic>
             <p:nvPicPr>
               <p:cNvPr id="31" name="Ink 30">
@@ -22665,8 +22665,8 @@
           </p:pic>
         </mc:Fallback>
       </mc:AlternateContent>
-      <mc:AlternateContent xmlns:mc="http://schemas.openxmlformats.org/markup-compatibility/2006">
-        <mc:Choice xmlns:p14="http://schemas.microsoft.com/office/powerpoint/2010/main" Requires="p14">
+      <mc:AlternateContent xmlns:mc="http://schemas.openxmlformats.org/markup-compatibility/2006" xmlns:p14="http://schemas.microsoft.com/office/powerpoint/2010/main">
+        <mc:Choice Requires="p14">
           <p:contentPart p14:bwMode="auto" r:id="rId55">
             <p14:nvContentPartPr>
               <p14:cNvPr id="32" name="Ink 31">
@@ -22685,7 +22685,7 @@
             </p14:xfrm>
           </p:contentPart>
         </mc:Choice>
-        <mc:Fallback>
+        <mc:Fallback xmlns="">
           <p:pic>
             <p:nvPicPr>
               <p:cNvPr id="32" name="Ink 31">
@@ -22716,8 +22716,8 @@
           </p:pic>
         </mc:Fallback>
       </mc:AlternateContent>
-      <mc:AlternateContent xmlns:mc="http://schemas.openxmlformats.org/markup-compatibility/2006">
-        <mc:Choice xmlns:p14="http://schemas.microsoft.com/office/powerpoint/2010/main" Requires="p14">
+      <mc:AlternateContent xmlns:mc="http://schemas.openxmlformats.org/markup-compatibility/2006" xmlns:p14="http://schemas.microsoft.com/office/powerpoint/2010/main">
+        <mc:Choice Requires="p14">
           <p:contentPart p14:bwMode="auto" r:id="rId57">
             <p14:nvContentPartPr>
               <p14:cNvPr id="33" name="Ink 32">
@@ -22736,7 +22736,7 @@
             </p14:xfrm>
           </p:contentPart>
         </mc:Choice>
-        <mc:Fallback>
+        <mc:Fallback xmlns="">
           <p:pic>
             <p:nvPicPr>
               <p:cNvPr id="33" name="Ink 32">
@@ -22767,8 +22767,8 @@
           </p:pic>
         </mc:Fallback>
       </mc:AlternateContent>
-      <mc:AlternateContent xmlns:mc="http://schemas.openxmlformats.org/markup-compatibility/2006">
-        <mc:Choice xmlns:p14="http://schemas.microsoft.com/office/powerpoint/2010/main" Requires="p14">
+      <mc:AlternateContent xmlns:mc="http://schemas.openxmlformats.org/markup-compatibility/2006" xmlns:p14="http://schemas.microsoft.com/office/powerpoint/2010/main">
+        <mc:Choice Requires="p14">
           <p:contentPart p14:bwMode="auto" r:id="rId59">
             <p14:nvContentPartPr>
               <p14:cNvPr id="34" name="Ink 33">
@@ -22787,7 +22787,7 @@
             </p14:xfrm>
           </p:contentPart>
         </mc:Choice>
-        <mc:Fallback>
+        <mc:Fallback xmlns="">
           <p:pic>
             <p:nvPicPr>
               <p:cNvPr id="34" name="Ink 33">
@@ -22818,8 +22818,8 @@
           </p:pic>
         </mc:Fallback>
       </mc:AlternateContent>
-      <mc:AlternateContent xmlns:mc="http://schemas.openxmlformats.org/markup-compatibility/2006">
-        <mc:Choice xmlns:p14="http://schemas.microsoft.com/office/powerpoint/2010/main" Requires="p14">
+      <mc:AlternateContent xmlns:mc="http://schemas.openxmlformats.org/markup-compatibility/2006" xmlns:p14="http://schemas.microsoft.com/office/powerpoint/2010/main">
+        <mc:Choice Requires="p14">
           <p:contentPart p14:bwMode="auto" r:id="rId61">
             <p14:nvContentPartPr>
               <p14:cNvPr id="35" name="Ink 34">
@@ -22838,7 +22838,7 @@
             </p14:xfrm>
           </p:contentPart>
         </mc:Choice>
-        <mc:Fallback>
+        <mc:Fallback xmlns="">
           <p:pic>
             <p:nvPicPr>
               <p:cNvPr id="35" name="Ink 34">
@@ -22869,8 +22869,8 @@
           </p:pic>
         </mc:Fallback>
       </mc:AlternateContent>
-      <mc:AlternateContent xmlns:mc="http://schemas.openxmlformats.org/markup-compatibility/2006">
-        <mc:Choice xmlns:p14="http://schemas.microsoft.com/office/powerpoint/2010/main" Requires="p14">
+      <mc:AlternateContent xmlns:mc="http://schemas.openxmlformats.org/markup-compatibility/2006" xmlns:p14="http://schemas.microsoft.com/office/powerpoint/2010/main">
+        <mc:Choice Requires="p14">
           <p:contentPart p14:bwMode="auto" r:id="rId63">
             <p14:nvContentPartPr>
               <p14:cNvPr id="36" name="Ink 35">
@@ -22889,7 +22889,7 @@
             </p14:xfrm>
           </p:contentPart>
         </mc:Choice>
-        <mc:Fallback>
+        <mc:Fallback xmlns="">
           <p:pic>
             <p:nvPicPr>
               <p:cNvPr id="36" name="Ink 35">
@@ -22920,8 +22920,8 @@
           </p:pic>
         </mc:Fallback>
       </mc:AlternateContent>
-      <mc:AlternateContent xmlns:mc="http://schemas.openxmlformats.org/markup-compatibility/2006">
-        <mc:Choice xmlns:p14="http://schemas.microsoft.com/office/powerpoint/2010/main" Requires="p14">
+      <mc:AlternateContent xmlns:mc="http://schemas.openxmlformats.org/markup-compatibility/2006" xmlns:p14="http://schemas.microsoft.com/office/powerpoint/2010/main">
+        <mc:Choice Requires="p14">
           <p:contentPart p14:bwMode="auto" r:id="rId65">
             <p14:nvContentPartPr>
               <p14:cNvPr id="37" name="Ink 36">
@@ -22940,7 +22940,7 @@
             </p14:xfrm>
           </p:contentPart>
         </mc:Choice>
-        <mc:Fallback>
+        <mc:Fallback xmlns="">
           <p:pic>
             <p:nvPicPr>
               <p:cNvPr id="37" name="Ink 36">
@@ -22971,8 +22971,8 @@
           </p:pic>
         </mc:Fallback>
       </mc:AlternateContent>
-      <mc:AlternateContent xmlns:mc="http://schemas.openxmlformats.org/markup-compatibility/2006">
-        <mc:Choice xmlns:p14="http://schemas.microsoft.com/office/powerpoint/2010/main" Requires="p14">
+      <mc:AlternateContent xmlns:mc="http://schemas.openxmlformats.org/markup-compatibility/2006" xmlns:p14="http://schemas.microsoft.com/office/powerpoint/2010/main">
+        <mc:Choice Requires="p14">
           <p:contentPart p14:bwMode="auto" r:id="rId67">
             <p14:nvContentPartPr>
               <p14:cNvPr id="38" name="Ink 37">
@@ -22991,7 +22991,7 @@
             </p14:xfrm>
           </p:contentPart>
         </mc:Choice>
-        <mc:Fallback>
+        <mc:Fallback xmlns="">
           <p:pic>
             <p:nvPicPr>
               <p:cNvPr id="38" name="Ink 37">
@@ -23022,8 +23022,8 @@
           </p:pic>
         </mc:Fallback>
       </mc:AlternateContent>
-      <mc:AlternateContent xmlns:mc="http://schemas.openxmlformats.org/markup-compatibility/2006">
-        <mc:Choice xmlns:p14="http://schemas.microsoft.com/office/powerpoint/2010/main" Requires="p14">
+      <mc:AlternateContent xmlns:mc="http://schemas.openxmlformats.org/markup-compatibility/2006" xmlns:p14="http://schemas.microsoft.com/office/powerpoint/2010/main">
+        <mc:Choice Requires="p14">
           <p:contentPart p14:bwMode="auto" r:id="rId69">
             <p14:nvContentPartPr>
               <p14:cNvPr id="39" name="Ink 38">
@@ -23042,7 +23042,7 @@
             </p14:xfrm>
           </p:contentPart>
         </mc:Choice>
-        <mc:Fallback>
+        <mc:Fallback xmlns="">
           <p:pic>
             <p:nvPicPr>
               <p:cNvPr id="39" name="Ink 38">
@@ -23073,8 +23073,8 @@
           </p:pic>
         </mc:Fallback>
       </mc:AlternateContent>
-      <mc:AlternateContent xmlns:mc="http://schemas.openxmlformats.org/markup-compatibility/2006">
-        <mc:Choice xmlns:p14="http://schemas.microsoft.com/office/powerpoint/2010/main" Requires="p14">
+      <mc:AlternateContent xmlns:mc="http://schemas.openxmlformats.org/markup-compatibility/2006" xmlns:p14="http://schemas.microsoft.com/office/powerpoint/2010/main">
+        <mc:Choice Requires="p14">
           <p:contentPart p14:bwMode="auto" r:id="rId71">
             <p14:nvContentPartPr>
               <p14:cNvPr id="40" name="Ink 39">
@@ -23093,7 +23093,7 @@
             </p14:xfrm>
           </p:contentPart>
         </mc:Choice>
-        <mc:Fallback>
+        <mc:Fallback xmlns="">
           <p:pic>
             <p:nvPicPr>
               <p:cNvPr id="40" name="Ink 39">
@@ -23124,8 +23124,8 @@
           </p:pic>
         </mc:Fallback>
       </mc:AlternateContent>
-      <mc:AlternateContent xmlns:mc="http://schemas.openxmlformats.org/markup-compatibility/2006">
-        <mc:Choice xmlns:p14="http://schemas.microsoft.com/office/powerpoint/2010/main" Requires="p14">
+      <mc:AlternateContent xmlns:mc="http://schemas.openxmlformats.org/markup-compatibility/2006" xmlns:p14="http://schemas.microsoft.com/office/powerpoint/2010/main">
+        <mc:Choice Requires="p14">
           <p:contentPart p14:bwMode="auto" r:id="rId73">
             <p14:nvContentPartPr>
               <p14:cNvPr id="41" name="Ink 40">
@@ -23144,7 +23144,7 @@
             </p14:xfrm>
           </p:contentPart>
         </mc:Choice>
-        <mc:Fallback>
+        <mc:Fallback xmlns="">
           <p:pic>
             <p:nvPicPr>
               <p:cNvPr id="41" name="Ink 40">
@@ -23175,8 +23175,8 @@
           </p:pic>
         </mc:Fallback>
       </mc:AlternateContent>
-      <mc:AlternateContent xmlns:mc="http://schemas.openxmlformats.org/markup-compatibility/2006">
-        <mc:Choice xmlns:p14="http://schemas.microsoft.com/office/powerpoint/2010/main" Requires="p14">
+      <mc:AlternateContent xmlns:mc="http://schemas.openxmlformats.org/markup-compatibility/2006" xmlns:p14="http://schemas.microsoft.com/office/powerpoint/2010/main">
+        <mc:Choice Requires="p14">
           <p:contentPart p14:bwMode="auto" r:id="rId75">
             <p14:nvContentPartPr>
               <p14:cNvPr id="42" name="Ink 41">
@@ -23195,7 +23195,7 @@
             </p14:xfrm>
           </p:contentPart>
         </mc:Choice>
-        <mc:Fallback>
+        <mc:Fallback xmlns="">
           <p:pic>
             <p:nvPicPr>
               <p:cNvPr id="42" name="Ink 41">
@@ -23226,8 +23226,8 @@
           </p:pic>
         </mc:Fallback>
       </mc:AlternateContent>
-      <mc:AlternateContent xmlns:mc="http://schemas.openxmlformats.org/markup-compatibility/2006">
-        <mc:Choice xmlns:p14="http://schemas.microsoft.com/office/powerpoint/2010/main" Requires="p14">
+      <mc:AlternateContent xmlns:mc="http://schemas.openxmlformats.org/markup-compatibility/2006" xmlns:p14="http://schemas.microsoft.com/office/powerpoint/2010/main">
+        <mc:Choice Requires="p14">
           <p:contentPart p14:bwMode="auto" r:id="rId77">
             <p14:nvContentPartPr>
               <p14:cNvPr id="43" name="Ink 42">
@@ -23246,7 +23246,7 @@
             </p14:xfrm>
           </p:contentPart>
         </mc:Choice>
-        <mc:Fallback>
+        <mc:Fallback xmlns="">
           <p:pic>
             <p:nvPicPr>
               <p:cNvPr id="43" name="Ink 42">
@@ -23277,8 +23277,8 @@
           </p:pic>
         </mc:Fallback>
       </mc:AlternateContent>
-      <mc:AlternateContent xmlns:mc="http://schemas.openxmlformats.org/markup-compatibility/2006">
-        <mc:Choice xmlns:p14="http://schemas.microsoft.com/office/powerpoint/2010/main" Requires="p14">
+      <mc:AlternateContent xmlns:mc="http://schemas.openxmlformats.org/markup-compatibility/2006" xmlns:p14="http://schemas.microsoft.com/office/powerpoint/2010/main">
+        <mc:Choice Requires="p14">
           <p:contentPart p14:bwMode="auto" r:id="rId79">
             <p14:nvContentPartPr>
               <p14:cNvPr id="44" name="Ink 43">
@@ -23297,7 +23297,7 @@
             </p14:xfrm>
           </p:contentPart>
         </mc:Choice>
-        <mc:Fallback>
+        <mc:Fallback xmlns="">
           <p:pic>
             <p:nvPicPr>
               <p:cNvPr id="44" name="Ink 43">
@@ -26336,7 +26336,7 @@
         </p:nvSpPr>
         <p:spPr>
           <a:xfrm>
-            <a:off x="4699818" y="640081"/>
+            <a:off x="4694138" y="640081"/>
             <a:ext cx="6848715" cy="3023541"/>
           </a:xfrm>
         </p:spPr>
@@ -26455,7 +26455,7 @@
         <p:spPr>
           <a:xfrm>
             <a:off x="4957011" y="4219107"/>
-            <a:ext cx="7283816" cy="1347504"/>
+            <a:ext cx="7234989" cy="1347504"/>
           </a:xfrm>
           <a:prstGeom prst="rect">
             <a:avLst/>
@@ -26490,6 +26490,52 @@
           <a:prstGeom prst="rect">
             <a:avLst/>
           </a:prstGeom>
+        </p:spPr>
+      </p:pic>
+      <p:pic>
+        <p:nvPicPr>
+          <p:cNvPr id="4" name="Picture 6">
+            <a:extLst>
+              <a:ext uri="{FF2B5EF4-FFF2-40B4-BE49-F238E27FC236}">
+                <a16:creationId xmlns:a16="http://schemas.microsoft.com/office/drawing/2014/main" id="{B73A819A-F49B-CFEA-093A-E8CD53B172C8}"/>
+              </a:ext>
+            </a:extLst>
+          </p:cNvPr>
+          <p:cNvPicPr>
+            <a:picLocks noChangeAspect="1" noChangeArrowheads="1"/>
+          </p:cNvPicPr>
+          <p:nvPr/>
+        </p:nvPicPr>
+        <p:blipFill>
+          <a:blip r:embed="rId4">
+            <a:extLst>
+              <a:ext uri="{28A0092B-C50C-407E-A947-70E740481C1C}">
+                <a14:useLocalDpi xmlns:a14="http://schemas.microsoft.com/office/drawing/2010/main" val="0"/>
+              </a:ext>
+            </a:extLst>
+          </a:blip>
+          <a:stretch>
+            <a:fillRect/>
+          </a:stretch>
+        </p:blipFill>
+        <p:spPr bwMode="auto">
+          <a:xfrm>
+            <a:off x="8132068" y="5788436"/>
+            <a:ext cx="3949650" cy="631944"/>
+          </a:xfrm>
+          <a:prstGeom prst="rect">
+            <a:avLst/>
+          </a:prstGeom>
+          <a:noFill/>
+          <a:extLst>
+            <a:ext uri="{909E8E84-426E-40DD-AFC4-6F175D3DCCD1}">
+              <a14:hiddenFill xmlns:a14="http://schemas.microsoft.com/office/drawing/2010/main">
+                <a:solidFill>
+                  <a:srgbClr val="FFFFFF"/>
+                </a:solidFill>
+              </a14:hiddenFill>
+            </a:ext>
+          </a:extLst>
         </p:spPr>
       </p:pic>
     </p:spTree>
@@ -27160,7 +27206,7 @@
         </p:blipFill>
         <p:spPr bwMode="auto">
           <a:xfrm>
-            <a:off x="597868" y="2729397"/>
+            <a:off x="467234" y="2729397"/>
             <a:ext cx="5401339" cy="3483864"/>
           </a:xfrm>
           <a:prstGeom prst="rect">
@@ -27206,8 +27252,8 @@
         </p:blipFill>
         <p:spPr bwMode="auto">
           <a:xfrm>
-            <a:off x="6198781" y="3028424"/>
-            <a:ext cx="5523082" cy="2885810"/>
+            <a:off x="6082794" y="2873781"/>
+            <a:ext cx="5935035" cy="3101055"/>
           </a:xfrm>
           <a:prstGeom prst="rect">
             <a:avLst/>
